--- a/slides/DIagram to SImulation Sketch.pptx
+++ b/slides/DIagram to SImulation Sketch.pptx
@@ -3423,7 +3423,7 @@
         </p:nvSpPr>
         <p:spPr>
           <a:xfrm>
-            <a:off x="838200" y="136526"/>
+            <a:off x="615176" y="479185"/>
             <a:ext cx="10515600" cy="698362"/>
           </a:xfrm>
         </p:spPr>
@@ -3433,7 +3433,7 @@
           <a:p>
             <a:r>
               <a:rPr lang="en-US" dirty="0"/>
-              <a:t>Plot of Current</a:t>
+              <a:t>Plot of Current vs. Time</a:t>
             </a:r>
           </a:p>
         </p:txBody>
@@ -3457,24 +3457,36 @@
         <p:spPr>
           <a:xfrm>
             <a:off x="744142" y="4869997"/>
-            <a:ext cx="10515600" cy="988737"/>
+            <a:ext cx="10515600" cy="1384679"/>
           </a:xfrm>
         </p:spPr>
         <p:txBody>
           <a:bodyPr>
-            <a:normAutofit fontScale="70000" lnSpcReduction="20000"/>
+            <a:normAutofit fontScale="55000" lnSpcReduction="20000"/>
           </a:bodyPr>
           <a:lstStyle/>
           <a:p>
             <a:r>
               <a:rPr lang="en-US" dirty="0"/>
-              <a:t>Create a p5.js file that draws a circuit and current on a 600x300 canvas.  The chart shows the current vs. time for a 5-volt peak-to-peak data sources going through a 100 Ohm resistor. </a:t>
+              <a:t>Create a p5.js file that draws a circuit and current on a 600x300 canvas.  </a:t>
             </a:r>
           </a:p>
           <a:p>
             <a:r>
               <a:rPr lang="en-US" dirty="0"/>
-              <a:t>Add buttons to start and stop the simulation.</a:t>
+              <a:t>The circuit should be placed on the left side.  The time-series current chart should be on the right side.</a:t>
+            </a:r>
+          </a:p>
+          <a:p>
+            <a:r>
+              <a:rPr lang="en-US" dirty="0"/>
+              <a:t>The chart shows the current vs. time for a 1 Hz 5-volt peak-to-peak data source going through a series circuit with a 100 Ohm resistor.</a:t>
+            </a:r>
+          </a:p>
+          <a:p>
+            <a:r>
+              <a:rPr lang="en-US" dirty="0"/>
+              <a:t>Add buttons to start, stop and reset the simulation.</a:t>
             </a:r>
           </a:p>
         </p:txBody>
@@ -3818,7 +3830,7 @@
               <a:rPr lang="en-US" sz="1600" dirty="0">
                 <a:latin typeface="Helvetica" pitchFamily="2" charset="0"/>
               </a:rPr>
-              <a:t>60 Hz</a:t>
+              <a:t>1 Hz</a:t>
             </a:r>
           </a:p>
           <a:p>
@@ -4465,6 +4477,76 @@
                 </a:solidFill>
               </a:rPr>
               <a:t>Stop</a:t>
+            </a:r>
+          </a:p>
+        </p:txBody>
+      </p:sp>
+      <p:sp>
+        <p:nvSpPr>
+          <p:cNvPr id="57" name="Rectangle 56">
+            <a:extLst>
+              <a:ext uri="{FF2B5EF4-FFF2-40B4-BE49-F238E27FC236}">
+                <a16:creationId xmlns:a16="http://schemas.microsoft.com/office/drawing/2014/main" id="{5ACA45B5-840E-DE9F-7753-FE28CE577707}"/>
+              </a:ext>
+            </a:extLst>
+          </p:cNvPr>
+          <p:cNvSpPr/>
+          <p:nvPr/>
+        </p:nvSpPr>
+        <p:spPr>
+          <a:xfrm>
+            <a:off x="2754592" y="3782083"/>
+            <a:ext cx="840058" cy="371707"/>
+          </a:xfrm>
+          <a:prstGeom prst="rect">
+            <a:avLst/>
+          </a:prstGeom>
+          <a:solidFill>
+            <a:schemeClr val="bg1">
+              <a:lumMod val="85000"/>
+            </a:schemeClr>
+          </a:solidFill>
+          <a:ln>
+            <a:solidFill>
+              <a:schemeClr val="tx1"/>
+            </a:solidFill>
+          </a:ln>
+          <a:effectLst>
+            <a:outerShdw blurRad="50800" dist="38100" dir="2700000" algn="tl" rotWithShape="0">
+              <a:schemeClr val="tx1">
+                <a:alpha val="40000"/>
+              </a:schemeClr>
+            </a:outerShdw>
+          </a:effectLst>
+        </p:spPr>
+        <p:style>
+          <a:lnRef idx="2">
+            <a:schemeClr val="accent1">
+              <a:shade val="15000"/>
+            </a:schemeClr>
+          </a:lnRef>
+          <a:fillRef idx="1">
+            <a:schemeClr val="accent1"/>
+          </a:fillRef>
+          <a:effectRef idx="0">
+            <a:schemeClr val="accent1"/>
+          </a:effectRef>
+          <a:fontRef idx="minor">
+            <a:schemeClr val="lt1"/>
+          </a:fontRef>
+        </p:style>
+        <p:txBody>
+          <a:bodyPr rtlCol="0" anchor="ctr"/>
+          <a:lstStyle/>
+          <a:p>
+            <a:pPr algn="ctr"/>
+            <a:r>
+              <a:rPr lang="en-US" dirty="0">
+                <a:solidFill>
+                  <a:schemeClr val="tx1"/>
+                </a:solidFill>
+              </a:rPr>
+              <a:t>Reset</a:t>
             </a:r>
           </a:p>
         </p:txBody>
